--- a/Documents/Application.Presentation.pptx
+++ b/Documents/Application.Presentation.pptx
@@ -8734,273 +8734,79 @@
           </a:extLst>
         </p:spPr>
       </p:pic>
-      <p:sp>
-        <p:nvSpPr>
-          <p:cNvPr id="4117" name="Text Box 18">
+      <p:pic>
+        <p:nvPicPr>
+          <p:cNvPr id="22" name="Picture 21">
             <a:extLst>
               <a:ext uri="{FF2B5EF4-FFF2-40B4-BE49-F238E27FC236}">
-                <a16:creationId xmlns:a16="http://schemas.microsoft.com/office/drawing/2014/main" id="{BCD3772D-521C-41B1-BE88-8CDDC9A366E5}"/>
+                <a16:creationId xmlns:a16="http://schemas.microsoft.com/office/drawing/2014/main" id="{2BF5D766-D50E-4B75-BFC7-D6B6D6795D23}"/>
               </a:ext>
             </a:extLst>
           </p:cNvPr>
-          <p:cNvSpPr txBox="1">
-            <a:spLocks noChangeArrowheads="1"/>
-          </p:cNvSpPr>
+          <p:cNvPicPr>
+            <a:picLocks noChangeAspect="1"/>
+          </p:cNvPicPr>
           <p:nvPr/>
-        </p:nvSpPr>
-        <p:spPr bwMode="auto">
+        </p:nvPicPr>
+        <p:blipFill>
+          <a:blip r:embed="rId16">
+            <a:extLst>
+              <a:ext uri="{28A0092B-C50C-407E-A947-70E740481C1C}">
+                <a14:useLocalDpi xmlns:a14="http://schemas.microsoft.com/office/drawing/2010/main" val="0"/>
+              </a:ext>
+            </a:extLst>
+          </a:blip>
+          <a:stretch>
+            <a:fillRect/>
+          </a:stretch>
+        </p:blipFill>
+        <p:spPr>
           <a:xfrm>
-            <a:off x="7761288" y="5602288"/>
-            <a:ext cx="2016125" cy="922337"/>
+            <a:off x="9201150" y="5752306"/>
+            <a:ext cx="514350" cy="857250"/>
           </a:xfrm>
           <a:prstGeom prst="rect">
             <a:avLst/>
           </a:prstGeom>
-          <a:noFill/>
-          <a:ln>
-            <a:noFill/>
-          </a:ln>
-          <a:extLst>
-            <a:ext uri="{909E8E84-426E-40DD-AFC4-6F175D3DCCD1}">
-              <a14:hiddenFill xmlns:a14="http://schemas.microsoft.com/office/drawing/2010/main">
-                <a:solidFill>
-                  <a:srgbClr val="FFFFFF"/>
-                </a:solidFill>
-              </a14:hiddenFill>
-            </a:ext>
-            <a:ext uri="{91240B29-F687-4F45-9708-019B960494DF}">
-              <a14:hiddenLine xmlns:a14="http://schemas.microsoft.com/office/drawing/2010/main" w="9525">
-                <a:solidFill>
-                  <a:srgbClr val="000000"/>
-                </a:solidFill>
-                <a:miter lim="800000"/>
-                <a:headEnd/>
-                <a:tailEnd/>
-              </a14:hiddenLine>
-            </a:ext>
-          </a:extLst>
+        </p:spPr>
+      </p:pic>
+      <p:sp>
+        <p:nvSpPr>
+          <p:cNvPr id="23" name="Rectangle 22">
+            <a:extLst>
+              <a:ext uri="{FF2B5EF4-FFF2-40B4-BE49-F238E27FC236}">
+                <a16:creationId xmlns:a16="http://schemas.microsoft.com/office/drawing/2014/main" id="{E757AC19-028B-43C2-A71E-0A7FC677239C}"/>
+              </a:ext>
+            </a:extLst>
+          </p:cNvPr>
+          <p:cNvSpPr/>
+          <p:nvPr/>
+        </p:nvSpPr>
+        <p:spPr>
+          <a:xfrm>
+            <a:off x="6663806" y="6358036"/>
+            <a:ext cx="2493247" cy="307777"/>
+          </a:xfrm>
+          <a:prstGeom prst="rect">
+            <a:avLst/>
+          </a:prstGeom>
         </p:spPr>
         <p:txBody>
-          <a:bodyPr>
+          <a:bodyPr wrap="none">
             <a:spAutoFit/>
           </a:bodyPr>
-          <a:lstStyle>
-            <a:lvl1pPr>
-              <a:spcBef>
-                <a:spcPct val="20000"/>
-              </a:spcBef>
-              <a:buChar char="•"/>
-              <a:defRPr sz="3200">
-                <a:solidFill>
-                  <a:schemeClr val="tx1"/>
-                </a:solidFill>
-                <a:latin typeface="Arial" panose="020B0604020202020204" pitchFamily="34" charset="0"/>
-              </a:defRPr>
-            </a:lvl1pPr>
-            <a:lvl2pPr marL="742950" indent="-285750">
-              <a:spcBef>
-                <a:spcPct val="20000"/>
-              </a:spcBef>
-              <a:buChar char="–"/>
-              <a:defRPr sz="2800">
-                <a:solidFill>
-                  <a:schemeClr val="tx1"/>
-                </a:solidFill>
-                <a:latin typeface="Arial" panose="020B0604020202020204" pitchFamily="34" charset="0"/>
-              </a:defRPr>
-            </a:lvl2pPr>
-            <a:lvl3pPr marL="1143000" indent="-228600">
-              <a:spcBef>
-                <a:spcPct val="20000"/>
-              </a:spcBef>
-              <a:buChar char="•"/>
-              <a:defRPr sz="2400">
-                <a:solidFill>
-                  <a:schemeClr val="tx1"/>
-                </a:solidFill>
-                <a:latin typeface="Arial" panose="020B0604020202020204" pitchFamily="34" charset="0"/>
-              </a:defRPr>
-            </a:lvl3pPr>
-            <a:lvl4pPr marL="1600200" indent="-228600">
-              <a:spcBef>
-                <a:spcPct val="20000"/>
-              </a:spcBef>
-              <a:buChar char="–"/>
-              <a:defRPr sz="2000">
-                <a:solidFill>
-                  <a:schemeClr val="tx1"/>
-                </a:solidFill>
-                <a:latin typeface="Arial" panose="020B0604020202020204" pitchFamily="34" charset="0"/>
-              </a:defRPr>
-            </a:lvl4pPr>
-            <a:lvl5pPr marL="2057400" indent="-228600">
-              <a:spcBef>
-                <a:spcPct val="20000"/>
-              </a:spcBef>
-              <a:buChar char="»"/>
-              <a:defRPr sz="2000">
-                <a:solidFill>
-                  <a:schemeClr val="tx1"/>
-                </a:solidFill>
-                <a:latin typeface="Arial" panose="020B0604020202020204" pitchFamily="34" charset="0"/>
-              </a:defRPr>
-            </a:lvl5pPr>
-            <a:lvl6pPr marL="2514600" indent="-228600" eaLnBrk="0" fontAlgn="base" hangingPunct="0">
-              <a:spcBef>
-                <a:spcPct val="20000"/>
-              </a:spcBef>
-              <a:spcAft>
-                <a:spcPct val="0"/>
-              </a:spcAft>
-              <a:buChar char="»"/>
-              <a:defRPr sz="2000">
-                <a:solidFill>
-                  <a:schemeClr val="tx1"/>
-                </a:solidFill>
-                <a:latin typeface="Arial" panose="020B0604020202020204" pitchFamily="34" charset="0"/>
-              </a:defRPr>
-            </a:lvl6pPr>
-            <a:lvl7pPr marL="2971800" indent="-228600" eaLnBrk="0" fontAlgn="base" hangingPunct="0">
-              <a:spcBef>
-                <a:spcPct val="20000"/>
-              </a:spcBef>
-              <a:spcAft>
-                <a:spcPct val="0"/>
-              </a:spcAft>
-              <a:buChar char="»"/>
-              <a:defRPr sz="2000">
-                <a:solidFill>
-                  <a:schemeClr val="tx1"/>
-                </a:solidFill>
-                <a:latin typeface="Arial" panose="020B0604020202020204" pitchFamily="34" charset="0"/>
-              </a:defRPr>
-            </a:lvl7pPr>
-            <a:lvl8pPr marL="3429000" indent="-228600" eaLnBrk="0" fontAlgn="base" hangingPunct="0">
-              <a:spcBef>
-                <a:spcPct val="20000"/>
-              </a:spcBef>
-              <a:spcAft>
-                <a:spcPct val="0"/>
-              </a:spcAft>
-              <a:buChar char="»"/>
-              <a:defRPr sz="2000">
-                <a:solidFill>
-                  <a:schemeClr val="tx1"/>
-                </a:solidFill>
-                <a:latin typeface="Arial" panose="020B0604020202020204" pitchFamily="34" charset="0"/>
-              </a:defRPr>
-            </a:lvl8pPr>
-            <a:lvl9pPr marL="3886200" indent="-228600" eaLnBrk="0" fontAlgn="base" hangingPunct="0">
-              <a:spcBef>
-                <a:spcPct val="20000"/>
-              </a:spcBef>
-              <a:spcAft>
-                <a:spcPct val="0"/>
-              </a:spcAft>
-              <a:buChar char="»"/>
-              <a:defRPr sz="2000">
-                <a:solidFill>
-                  <a:schemeClr val="tx1"/>
-                </a:solidFill>
-                <a:latin typeface="Arial" panose="020B0604020202020204" pitchFamily="34" charset="0"/>
-              </a:defRPr>
-            </a:lvl9pPr>
-          </a:lstStyle>
-          <a:p>
-            <a:pPr eaLnBrk="1" hangingPunct="1">
-              <a:spcBef>
-                <a:spcPct val="0"/>
-              </a:spcBef>
-              <a:buFontTx/>
-              <a:buNone/>
-            </a:pPr>
-            <a:r>
-              <a:rPr lang="en-US" altLang="en-US" sz="900" b="1">
-                <a:latin typeface="Times New Roman" panose="02020603050405020304" pitchFamily="18" charset="0"/>
+          <a:lstStyle/>
+          <a:p>
+            <a:r>
+              <a:rPr lang="en-US" b="1" dirty="0">
+                <a:solidFill>
+                  <a:srgbClr val="008BC6"/>
+                </a:solidFill>
+                <a:latin typeface="Raleway"/>
               </a:rPr>
-              <a:t>FRANCE</a:t>
-            </a:r>
-            <a:endParaRPr lang="ro-RO" altLang="en-US" sz="900">
-              <a:latin typeface="Times New Roman" panose="02020603050405020304" pitchFamily="18" charset="0"/>
-            </a:endParaRPr>
-          </a:p>
-          <a:p>
-            <a:pPr eaLnBrk="1" hangingPunct="1">
-              <a:spcBef>
-                <a:spcPct val="0"/>
-              </a:spcBef>
-              <a:buFontTx/>
-              <a:buNone/>
-            </a:pPr>
-            <a:r>
-              <a:rPr lang="ro-RO" altLang="en-US" sz="900">
-                <a:latin typeface="Times New Roman" panose="02020603050405020304" pitchFamily="18" charset="0"/>
-              </a:rPr>
-              <a:t>204, rue de la Vallée</a:t>
-            </a:r>
-          </a:p>
-          <a:p>
-            <a:pPr eaLnBrk="1" hangingPunct="1">
-              <a:spcBef>
-                <a:spcPct val="0"/>
-              </a:spcBef>
-              <a:buFontTx/>
-              <a:buNone/>
-            </a:pPr>
-            <a:r>
-              <a:rPr lang="ro-RO" altLang="en-US" sz="900">
-                <a:latin typeface="Times New Roman" panose="02020603050405020304" pitchFamily="18" charset="0"/>
-              </a:rPr>
-              <a:t>78410 Bouafle</a:t>
-            </a:r>
-          </a:p>
-          <a:p>
-            <a:pPr eaLnBrk="1" hangingPunct="1">
-              <a:spcBef>
-                <a:spcPct val="0"/>
-              </a:spcBef>
-              <a:buFontTx/>
-              <a:buNone/>
-            </a:pPr>
-            <a:r>
-              <a:rPr lang="ro-RO" altLang="en-US" sz="900">
-                <a:latin typeface="Times New Roman" panose="02020603050405020304" pitchFamily="18" charset="0"/>
-              </a:rPr>
-              <a:t>Tél.: + 33 (0)1 30 90 11 74</a:t>
-            </a:r>
-          </a:p>
-          <a:p>
-            <a:pPr eaLnBrk="1" hangingPunct="1">
-              <a:spcBef>
-                <a:spcPct val="0"/>
-              </a:spcBef>
-              <a:buFontTx/>
-              <a:buNone/>
-            </a:pPr>
-            <a:r>
-              <a:rPr lang="ro-RO" altLang="en-US" sz="900">
-                <a:latin typeface="Times New Roman" panose="02020603050405020304" pitchFamily="18" charset="0"/>
-              </a:rPr>
-              <a:t>Fax: + 33 (0)1 30 90 11 96</a:t>
-            </a:r>
-          </a:p>
-          <a:p>
-            <a:pPr eaLnBrk="1" hangingPunct="1">
-              <a:spcBef>
-                <a:spcPct val="0"/>
-              </a:spcBef>
-              <a:buFontTx/>
-              <a:buNone/>
-            </a:pPr>
-            <a:r>
-              <a:rPr lang="en-US" altLang="en-US" sz="900" u="sng">
-                <a:latin typeface="Times New Roman" panose="02020603050405020304" pitchFamily="18" charset="0"/>
-              </a:rPr>
-              <a:t>jcsilvestre@kepler-rominfo.com</a:t>
-            </a:r>
-            <a:endParaRPr lang="en-US" altLang="en-US" sz="900" b="1">
-              <a:latin typeface="Times New Roman" panose="02020603050405020304" pitchFamily="18" charset="0"/>
-            </a:endParaRPr>
+              <a:t>AN ALTEN GROUP COMPANY</a:t>
+            </a:r>
+            <a:endParaRPr lang="en-US" dirty="0"/>
           </a:p>
         </p:txBody>
       </p:sp>
